--- a/SpringPresentations/EEG_project_29_5.pptx
+++ b/SpringPresentations/EEG_project_29_5.pptx
@@ -207,7 +207,7 @@
           <a:p>
             <a:fld id="{2D438DE5-3A01-4A96-B6BE-6C3D35906B44}" type="datetimeFigureOut">
               <a:rPr lang="he-IL" smtClean="0"/>
-              <a:t>י"ד/סיון/תשע"ח</a:t>
+              <a:t>ט"ו/סיון/תשע"ח</a:t>
             </a:fld>
             <a:endParaRPr lang="he-IL"/>
           </a:p>
@@ -1133,7 +1133,7 @@
           <a:p>
             <a:fld id="{815FDF4E-02FA-495D-9F7F-218675B6E325}" type="datetimeFigureOut">
               <a:rPr lang="he-IL" smtClean="0"/>
-              <a:t>י"ד/סיון/תשע"ח</a:t>
+              <a:t>ט"ו/סיון/תשע"ח</a:t>
             </a:fld>
             <a:endParaRPr lang="he-IL"/>
           </a:p>
@@ -1316,7 +1316,7 @@
           <a:p>
             <a:fld id="{815FDF4E-02FA-495D-9F7F-218675B6E325}" type="datetimeFigureOut">
               <a:rPr lang="he-IL" smtClean="0"/>
-              <a:t>י"ד/סיון/תשע"ח</a:t>
+              <a:t>ט"ו/סיון/תשע"ח</a:t>
             </a:fld>
             <a:endParaRPr lang="he-IL"/>
           </a:p>
@@ -1491,7 +1491,7 @@
           <a:p>
             <a:fld id="{815FDF4E-02FA-495D-9F7F-218675B6E325}" type="datetimeFigureOut">
               <a:rPr lang="he-IL" smtClean="0"/>
-              <a:t>י"ד/סיון/תשע"ח</a:t>
+              <a:t>ט"ו/סיון/תשע"ח</a:t>
             </a:fld>
             <a:endParaRPr lang="he-IL"/>
           </a:p>
@@ -1656,7 +1656,7 @@
           <a:p>
             <a:fld id="{815FDF4E-02FA-495D-9F7F-218675B6E325}" type="datetimeFigureOut">
               <a:rPr lang="he-IL" smtClean="0"/>
-              <a:t>י"ד/סיון/תשע"ח</a:t>
+              <a:t>ט"ו/סיון/תשע"ח</a:t>
             </a:fld>
             <a:endParaRPr lang="he-IL"/>
           </a:p>
@@ -1877,7 +1877,7 @@
           <a:p>
             <a:fld id="{815FDF4E-02FA-495D-9F7F-218675B6E325}" type="datetimeFigureOut">
               <a:rPr lang="he-IL" smtClean="0"/>
-              <a:t>י"ד/סיון/תשע"ח</a:t>
+              <a:t>ט"ו/סיון/תשע"ח</a:t>
             </a:fld>
             <a:endParaRPr lang="he-IL"/>
           </a:p>
@@ -2136,7 +2136,7 @@
           <a:p>
             <a:fld id="{815FDF4E-02FA-495D-9F7F-218675B6E325}" type="datetimeFigureOut">
               <a:rPr lang="he-IL" smtClean="0"/>
-              <a:t>י"ד/סיון/תשע"ח</a:t>
+              <a:t>ט"ו/סיון/תשע"ח</a:t>
             </a:fld>
             <a:endParaRPr lang="he-IL"/>
           </a:p>
@@ -2540,7 +2540,7 @@
           <a:p>
             <a:fld id="{815FDF4E-02FA-495D-9F7F-218675B6E325}" type="datetimeFigureOut">
               <a:rPr lang="he-IL" smtClean="0"/>
-              <a:t>י"ד/סיון/תשע"ח</a:t>
+              <a:t>ט"ו/סיון/תשע"ח</a:t>
             </a:fld>
             <a:endParaRPr lang="he-IL"/>
           </a:p>
@@ -2671,7 +2671,7 @@
           <a:p>
             <a:fld id="{815FDF4E-02FA-495D-9F7F-218675B6E325}" type="datetimeFigureOut">
               <a:rPr lang="he-IL" smtClean="0"/>
-              <a:t>י"ד/סיון/תשע"ח</a:t>
+              <a:t>ט"ו/סיון/תשע"ח</a:t>
             </a:fld>
             <a:endParaRPr lang="he-IL"/>
           </a:p>
@@ -2771,7 +2771,7 @@
           <a:p>
             <a:fld id="{815FDF4E-02FA-495D-9F7F-218675B6E325}" type="datetimeFigureOut">
               <a:rPr lang="he-IL" smtClean="0"/>
-              <a:t>י"ד/סיון/תשע"ח</a:t>
+              <a:t>ט"ו/סיון/תשע"ח</a:t>
             </a:fld>
             <a:endParaRPr lang="he-IL"/>
           </a:p>
@@ -3016,7 +3016,7 @@
           <a:p>
             <a:fld id="{815FDF4E-02FA-495D-9F7F-218675B6E325}" type="datetimeFigureOut">
               <a:rPr lang="he-IL" smtClean="0"/>
-              <a:t>י"ד/סיון/תשע"ח</a:t>
+              <a:t>ט"ו/סיון/תשע"ח</a:t>
             </a:fld>
             <a:endParaRPr lang="he-IL"/>
           </a:p>
@@ -3260,7 +3260,7 @@
           <a:p>
             <a:fld id="{815FDF4E-02FA-495D-9F7F-218675B6E325}" type="datetimeFigureOut">
               <a:rPr lang="he-IL" smtClean="0"/>
-              <a:t>י"ד/סיון/תשע"ח</a:t>
+              <a:t>ט"ו/סיון/תשע"ח</a:t>
             </a:fld>
             <a:endParaRPr lang="he-IL"/>
           </a:p>
@@ -4084,7 +4084,7 @@
           <a:p>
             <a:fld id="{815FDF4E-02FA-495D-9F7F-218675B6E325}" type="datetimeFigureOut">
               <a:rPr lang="he-IL" smtClean="0"/>
-              <a:t>י"ד/סיון/תשע"ח</a:t>
+              <a:t>ט"ו/סיון/תשע"ח</a:t>
             </a:fld>
             <a:endParaRPr lang="he-IL"/>
           </a:p>
@@ -4490,12 +4490,12 @@
           <a:lstStyle/>
           <a:p>
             <a:r>
-              <a:rPr lang="en-US" dirty="0" smtClean="0"/>
+              <a:rPr lang="en-US" smtClean="0"/>
               <a:t>May </a:t>
             </a:r>
             <a:r>
-              <a:rPr lang="en-US" dirty="0" smtClean="0"/>
-              <a:t>20, </a:t>
+              <a:rPr lang="en-US" smtClean="0"/>
+              <a:t>29, </a:t>
             </a:r>
             <a:r>
               <a:rPr lang="en-US" dirty="0" smtClean="0"/>
@@ -4567,15 +4567,7 @@
             <a:pPr algn="l"/>
             <a:r>
               <a:rPr lang="en-US" dirty="0" smtClean="0"/>
-              <a:t>Subject </a:t>
-            </a:r>
-            <a:r>
-              <a:rPr lang="en-US" dirty="0" smtClean="0"/>
-              <a:t>C08, </a:t>
-            </a:r>
-            <a:r>
-              <a:rPr lang="en-US" dirty="0" smtClean="0"/>
-              <a:t>Stimuli 1,2</a:t>
+              <a:t>Subject C08, Stimuli 1,2</a:t>
             </a:r>
           </a:p>
           <a:p>
@@ -4842,15 +4834,7 @@
             <a:pPr algn="l"/>
             <a:r>
               <a:rPr lang="en-US" dirty="0" smtClean="0"/>
-              <a:t>Subject </a:t>
-            </a:r>
-            <a:r>
-              <a:rPr lang="en-US" dirty="0" smtClean="0"/>
-              <a:t>C10, </a:t>
-            </a:r>
-            <a:r>
-              <a:rPr lang="en-US" dirty="0" smtClean="0"/>
-              <a:t>Stimuli 1,2</a:t>
+              <a:t>Subject C10, Stimuli 1,2</a:t>
             </a:r>
           </a:p>
           <a:p>
@@ -5117,15 +5101,7 @@
             <a:pPr algn="l"/>
             <a:r>
               <a:rPr lang="en-US" dirty="0" smtClean="0"/>
-              <a:t>Subject </a:t>
-            </a:r>
-            <a:r>
-              <a:rPr lang="en-US" dirty="0" smtClean="0"/>
-              <a:t>C11, </a:t>
-            </a:r>
-            <a:r>
-              <a:rPr lang="en-US" dirty="0" smtClean="0"/>
-              <a:t>Stimuli 1,2</a:t>
+              <a:t>Subject C11, Stimuli 1,2</a:t>
             </a:r>
           </a:p>
           <a:p>
@@ -5392,15 +5368,7 @@
             <a:pPr algn="l"/>
             <a:r>
               <a:rPr lang="en-US" dirty="0" smtClean="0"/>
-              <a:t>Subject </a:t>
-            </a:r>
-            <a:r>
-              <a:rPr lang="en-US" dirty="0" smtClean="0"/>
-              <a:t>C12, </a:t>
-            </a:r>
-            <a:r>
-              <a:rPr lang="en-US" dirty="0" smtClean="0"/>
-              <a:t>Stimuli 1,2</a:t>
+              <a:t>Subject C12, Stimuli 1,2</a:t>
             </a:r>
           </a:p>
           <a:p>
@@ -7141,26 +7109,14 @@
             <a:pPr algn="l"/>
             <a:r>
               <a:rPr lang="en-US" dirty="0" smtClean="0"/>
-              <a:t>Subject </a:t>
-            </a:r>
+              <a:t>Subject C05, Stimuli 1,2</a:t>
+            </a:r>
+          </a:p>
+          <a:p>
+            <a:pPr algn="l"/>
             <a:r>
               <a:rPr lang="en-US" dirty="0" smtClean="0"/>
-              <a:t>C05, </a:t>
-            </a:r>
-            <a:r>
-              <a:rPr lang="en-US" dirty="0" smtClean="0"/>
-              <a:t>Stimuli 1,2</a:t>
-            </a:r>
-          </a:p>
-          <a:p>
-            <a:pPr algn="l"/>
-            <a:r>
-              <a:rPr lang="en-US" dirty="0" smtClean="0"/>
-              <a:t>60 </a:t>
-            </a:r>
-            <a:r>
-              <a:rPr lang="en-US" dirty="0" smtClean="0"/>
-              <a:t>electrodes</a:t>
+              <a:t>60 electrodes</a:t>
             </a:r>
             <a:endParaRPr lang="he-IL" dirty="0"/>
           </a:p>
@@ -7420,26 +7376,14 @@
             <a:pPr algn="l"/>
             <a:r>
               <a:rPr lang="en-US" dirty="0" smtClean="0"/>
-              <a:t>Subject </a:t>
-            </a:r>
+              <a:t>Subject C06, Stimuli 1,2</a:t>
+            </a:r>
+          </a:p>
+          <a:p>
+            <a:pPr algn="l"/>
             <a:r>
               <a:rPr lang="en-US" dirty="0" smtClean="0"/>
-              <a:t>C06, </a:t>
-            </a:r>
-            <a:r>
-              <a:rPr lang="en-US" dirty="0" smtClean="0"/>
-              <a:t>Stimuli 1,2</a:t>
-            </a:r>
-          </a:p>
-          <a:p>
-            <a:pPr algn="l"/>
-            <a:r>
-              <a:rPr lang="en-US" dirty="0" smtClean="0"/>
-              <a:t>62 </a:t>
-            </a:r>
-            <a:r>
-              <a:rPr lang="en-US" dirty="0" smtClean="0"/>
-              <a:t>electrodes</a:t>
+              <a:t>62 electrodes</a:t>
             </a:r>
             <a:endParaRPr lang="he-IL" dirty="0"/>
           </a:p>
@@ -7699,15 +7643,7 @@
             <a:pPr algn="l"/>
             <a:r>
               <a:rPr lang="en-US" dirty="0" smtClean="0"/>
-              <a:t>Subject </a:t>
-            </a:r>
-            <a:r>
-              <a:rPr lang="en-US" dirty="0" smtClean="0"/>
-              <a:t>C07, </a:t>
-            </a:r>
-            <a:r>
-              <a:rPr lang="en-US" dirty="0" smtClean="0"/>
-              <a:t>Stimuli 1,2</a:t>
+              <a:t>Subject C07, Stimuli 1,2</a:t>
             </a:r>
           </a:p>
           <a:p>
